--- a/Capstone Project Final Presentation -Rajeev.pptx
+++ b/Capstone Project Final Presentation -Rajeev.pptx
@@ -129,6 +129,9 @@
   <p:extLst>
     <p:ext uri="{EFAFB233-063F-42B5-8137-9DF3F51BA10A}">
       <p15:sldGuideLst xmlns:p15="http://schemas.microsoft.com/office/powerpoint/2012/main"/>
+    </p:ext>
+    <p:ext uri="{2D200454-40CA-4A62-9FC3-DE9A4176ACB9}">
+      <p15:notesGuideLst xmlns:p15="http://schemas.microsoft.com/office/powerpoint/2012/main"/>
     </p:ext>
   </p:extLst>
 </p:presentation>
@@ -468,7 +471,7 @@
           <a:p>
             <a:fld id="{A4ABCA46-058A-6543-B89E-D7B1D24600CC}" type="datetimeFigureOut">
               <a:rPr lang="en-US" smtClean="0"/>
-              <a:t>2/14/21</a:t>
+              <a:t>2/19/21</a:t>
             </a:fld>
             <a:endParaRPr lang="en-US"/>
           </a:p>
@@ -782,7 +785,33 @@
           <a:p>
             <a:r>
               <a:rPr lang="en-US" dirty="0"/>
-              <a:t>The dependent variable is binary and categorizes customers into defaulters &amp; non-defaulters of payments for the insurance premium. Our exploration and predictive analysis will consist of exploring the dataset among all the various variables to discover patterns, similarities, behavior and other attributes' which will help us identify the cohort of customer who have a propensity to default on their next premium. The idea is to identify – target – offer effective and adaptive alternatives and solutions to make it easy for them continue paying their premiums on time.</a:t>
+              <a:t>Thankyou for this </a:t>
+            </a:r>
+            <a:r>
+              <a:rPr lang="en-US" dirty="0" err="1"/>
+              <a:t>oppurtunity</a:t>
+            </a:r>
+            <a:r>
+              <a:rPr lang="en-US" dirty="0"/>
+              <a:t> to present my project on Insurance Premium Default Propensity Prediction.</a:t>
+            </a:r>
+          </a:p>
+          <a:p>
+            <a:r>
+              <a:rPr lang="en-US" dirty="0"/>
+              <a:t>Premiums being the major revenue source for the Insurance companies, its important that they are able to identify the customers who may have the propensity to default on the premiums. </a:t>
+            </a:r>
+          </a:p>
+          <a:p>
+            <a:r>
+              <a:rPr lang="en-US" dirty="0"/>
+              <a:t>Insurance companies would like to identify such customers, understand the reasons and make sure these cohorts pay their premiums on time.</a:t>
+            </a:r>
+          </a:p>
+          <a:p>
+            <a:r>
+              <a:rPr lang="en-US" dirty="0"/>
+              <a:t>This project will try to  discover such potential defaulters, predict their behaviors, habits and patterns to eventually prescribe options &amp; solutions to help them pay their premiums on time</a:t>
             </a:r>
           </a:p>
         </p:txBody>
@@ -886,10 +915,121 @@
             </a:pPr>
             <a:r>
               <a:rPr lang="en-US" dirty="0"/>
-              <a:t>After splitting the data between Train &amp; Test for analytical analysis, we will treat the train data set with </a:t>
+              <a:t>After creating the Train &amp; Test Data  - and SMOTING the train data we </a:t>
             </a:r>
+          </a:p>
+          <a:p>
+            <a:pPr marL="0" marR="0" lvl="0" indent="0" algn="l" defTabSz="914400" rtl="0" eaLnBrk="1" fontAlgn="auto" latinLnBrk="0" hangingPunct="1">
+              <a:lnSpc>
+                <a:spcPct val="100000"/>
+              </a:lnSpc>
+              <a:spcBef>
+                <a:spcPts val="0"/>
+              </a:spcBef>
+              <a:spcAft>
+                <a:spcPts val="0"/>
+              </a:spcAft>
+              <a:buClrTx/>
+              <a:buSzTx/>
+              <a:buFontTx/>
+              <a:buNone/>
+              <a:tabLst/>
+              <a:defRPr/>
+            </a:pPr>
             <a:r>
-              <a:rPr lang="en-SG" sz="1200" b="0" i="0" kern="1200" dirty="0">
+              <a:rPr lang="en-US" dirty="0"/>
+              <a:t>apply a supervised machine learning technique and  create </a:t>
+            </a:r>
+          </a:p>
+          <a:p>
+            <a:pPr marL="0" marR="0" lvl="0" indent="0" algn="l" defTabSz="914400" rtl="0" eaLnBrk="1" fontAlgn="auto" latinLnBrk="0" hangingPunct="1">
+              <a:lnSpc>
+                <a:spcPct val="100000"/>
+              </a:lnSpc>
+              <a:spcBef>
+                <a:spcPts val="0"/>
+              </a:spcBef>
+              <a:spcAft>
+                <a:spcPts val="0"/>
+              </a:spcAft>
+              <a:buClrTx/>
+              <a:buSzTx/>
+              <a:buFontTx/>
+              <a:buNone/>
+              <a:tabLst/>
+              <a:defRPr/>
+            </a:pPr>
+            <a:r>
+              <a:rPr lang="en-US" dirty="0"/>
+              <a:t>1) Cart DT - a classification model which splits data features into nodes until a final decision output is made</a:t>
+            </a:r>
+          </a:p>
+          <a:p>
+            <a:pPr marL="0" marR="0" lvl="0" indent="0" algn="l" defTabSz="914400" rtl="0" eaLnBrk="1" fontAlgn="auto" latinLnBrk="0" hangingPunct="1">
+              <a:lnSpc>
+                <a:spcPct val="100000"/>
+              </a:lnSpc>
+              <a:spcBef>
+                <a:spcPts val="0"/>
+              </a:spcBef>
+              <a:spcAft>
+                <a:spcPts val="0"/>
+              </a:spcAft>
+              <a:buClrTx/>
+              <a:buSzTx/>
+              <a:buFontTx/>
+              <a:buNone/>
+              <a:tabLst/>
+              <a:defRPr/>
+            </a:pPr>
+            <a:r>
+              <a:rPr lang="en-US" dirty="0"/>
+              <a:t>2) LOGISTIC REGRESSION model- used to classify binary outputs based on their likelihood</a:t>
+            </a:r>
+          </a:p>
+          <a:p>
+            <a:pPr marL="0" marR="0" lvl="0" indent="0" algn="l" defTabSz="914400" rtl="0" eaLnBrk="1" fontAlgn="auto" latinLnBrk="0" hangingPunct="1">
+              <a:lnSpc>
+                <a:spcPct val="100000"/>
+              </a:lnSpc>
+              <a:spcBef>
+                <a:spcPts val="0"/>
+              </a:spcBef>
+              <a:spcAft>
+                <a:spcPts val="0"/>
+              </a:spcAft>
+              <a:buClrTx/>
+              <a:buSzTx/>
+              <a:buFontTx/>
+              <a:buNone/>
+              <a:tabLst/>
+              <a:defRPr/>
+            </a:pPr>
+            <a:r>
+              <a:rPr lang="en-US" dirty="0"/>
+              <a:t>3) NAIVE  BAYES - classification technique which applies probability to an event  based on the knowledge of factors that might affect the event</a:t>
+            </a:r>
+          </a:p>
+          <a:p>
+            <a:pPr marL="0" marR="0" lvl="0" indent="0" algn="l" defTabSz="914400" rtl="0" eaLnBrk="1" fontAlgn="auto" latinLnBrk="0" hangingPunct="1">
+              <a:lnSpc>
+                <a:spcPct val="100000"/>
+              </a:lnSpc>
+              <a:spcBef>
+                <a:spcPts val="0"/>
+              </a:spcBef>
+              <a:spcAft>
+                <a:spcPts val="0"/>
+              </a:spcAft>
+              <a:buClrTx/>
+              <a:buSzTx/>
+              <a:buFontTx/>
+              <a:buNone/>
+              <a:tabLst/>
+              <a:defRPr/>
+            </a:pPr>
+            <a:r>
+              <a:rPr lang="en-US" sz="1200" b="0" i="0" kern="1200" dirty="0">
                 <a:solidFill>
                   <a:schemeClr val="tx1"/>
                 </a:solidFill>
@@ -898,32 +1038,36 @@
                 <a:ea typeface="+mn-ea"/>
                 <a:cs typeface="+mn-cs"/>
               </a:rPr>
-              <a:t>Synthetic Minority Over-sampling Technique (</a:t>
+              <a:t>4) KNN - which increases accuracy as the nos. of nearest neighbors increase</a:t>
             </a:r>
-            <a:r>
-              <a:rPr lang="en-SG" sz="1200" b="0" i="0" kern="1200" dirty="0" err="1">
-                <a:solidFill>
-                  <a:schemeClr val="tx1"/>
-                </a:solidFill>
-                <a:effectLst/>
-                <a:latin typeface="+mn-lt"/>
-                <a:ea typeface="+mn-ea"/>
-                <a:cs typeface="+mn-cs"/>
-              </a:rPr>
-              <a:t>SMOTe</a:t>
-            </a:r>
-            <a:r>
-              <a:rPr lang="en-SG" sz="1200" b="0" i="0" kern="1200" dirty="0">
-                <a:solidFill>
-                  <a:schemeClr val="tx1"/>
-                </a:solidFill>
-                <a:effectLst/>
-                <a:latin typeface="+mn-lt"/>
-                <a:ea typeface="+mn-ea"/>
-                <a:cs typeface="+mn-cs"/>
-              </a:rPr>
-              <a:t>) for Imbalanced Datasets. This is done to handle the bias in a imbalanced data with regarding to the minority class. </a:t>
-            </a:r>
+          </a:p>
+          <a:p>
+            <a:pPr marL="0" marR="0" lvl="0" indent="0" algn="l" defTabSz="914400" rtl="0" eaLnBrk="1" fontAlgn="auto" latinLnBrk="0" hangingPunct="1">
+              <a:lnSpc>
+                <a:spcPct val="100000"/>
+              </a:lnSpc>
+              <a:spcBef>
+                <a:spcPts val="0"/>
+              </a:spcBef>
+              <a:spcAft>
+                <a:spcPts val="0"/>
+              </a:spcAft>
+              <a:buClrTx/>
+              <a:buSzTx/>
+              <a:buFontTx/>
+              <a:buNone/>
+              <a:tabLst/>
+              <a:defRPr/>
+            </a:pPr>
+            <a:endParaRPr lang="en-SG" sz="1200" b="0" i="0" kern="1200" dirty="0">
+              <a:solidFill>
+                <a:schemeClr val="tx1"/>
+              </a:solidFill>
+              <a:effectLst/>
+              <a:latin typeface="+mn-lt"/>
+              <a:ea typeface="+mn-ea"/>
+              <a:cs typeface="+mn-cs"/>
+            </a:endParaRPr>
           </a:p>
           <a:p>
             <a:pPr marL="0" marR="0" lvl="0" indent="0" algn="l" defTabSz="914400" rtl="0" eaLnBrk="1" fontAlgn="auto" latinLnBrk="0" hangingPunct="1">
@@ -1040,7 +1184,19 @@
           <a:p>
             <a:r>
               <a:rPr lang="en-US" dirty="0"/>
-              <a:t>CART Model 1 gives the best result in Specificity compared to other models.. On the other attributes too it performs better than or as good as the other models. </a:t>
+              <a:t>5) BAGGING TECHNIQUE - RANDOM FOREST : classification model which improves accuracy of a simple DT by generating multiple DTs &amp; taking majority vote to predict output</a:t>
+            </a:r>
+          </a:p>
+          <a:p>
+            <a:r>
+              <a:rPr lang="en-US" dirty="0"/>
+              <a:t>6) BOOSTING - Gradient Boosting - classification technique which generates DT sequentially where each tree focuses on correcting the errors of the previous model</a:t>
+            </a:r>
+          </a:p>
+          <a:p>
+            <a:r>
+              <a:rPr lang="en-US" dirty="0"/>
+              <a:t>7) XG Boost its a more efficient version of Gradient boosting.</a:t>
             </a:r>
           </a:p>
         </p:txBody>
@@ -1062,7 +1218,7 @@
           <a:p>
             <a:fld id="{B3C91CE6-13A3-DD40-BCDC-BD71630CA18C}" type="slidenum">
               <a:rPr lang="en-US" smtClean="0"/>
-              <a:t>13</a:t>
+              <a:t>11</a:t>
             </a:fld>
             <a:endParaRPr lang="en-US"/>
           </a:p>
@@ -1071,7 +1227,7 @@
     </p:spTree>
     <p:extLst>
       <p:ext uri="{BB962C8B-B14F-4D97-AF65-F5344CB8AC3E}">
-        <p14:creationId xmlns:p14="http://schemas.microsoft.com/office/powerpoint/2010/main" val="546550667"/>
+        <p14:creationId xmlns:p14="http://schemas.microsoft.com/office/powerpoint/2010/main" val="2188740492"/>
       </p:ext>
     </p:extLst>
   </p:cSld>
@@ -1127,7 +1283,7 @@
           <a:p>
             <a:r>
               <a:rPr lang="en-US" dirty="0"/>
-              <a:t>The variable influencing majorly to identify potential defaulters include the above 7 attributes. Understanding the factors we come out with appropriate options/solutions for customers to manage paying their premiums on time.</a:t>
+              <a:t>A Confusion Matrix shows efficiency of the models in identifying the predicted &amp; actual "defaulters' &amp; "non-defaulters". We see CART, RF &amp; Gradient Boosting models predicting maximum defaulters </a:t>
             </a:r>
           </a:p>
         </p:txBody>
@@ -1149,7 +1305,7 @@
           <a:p>
             <a:fld id="{B3C91CE6-13A3-DD40-BCDC-BD71630CA18C}" type="slidenum">
               <a:rPr lang="en-US" smtClean="0"/>
-              <a:t>14</a:t>
+              <a:t>12</a:t>
             </a:fld>
             <a:endParaRPr lang="en-US"/>
           </a:p>
@@ -1158,7 +1314,7 @@
     </p:spTree>
     <p:extLst>
       <p:ext uri="{BB962C8B-B14F-4D97-AF65-F5344CB8AC3E}">
-        <p14:creationId xmlns:p14="http://schemas.microsoft.com/office/powerpoint/2010/main" val="2776948553"/>
+        <p14:creationId xmlns:p14="http://schemas.microsoft.com/office/powerpoint/2010/main" val="2172042468"/>
       </p:ext>
     </p:extLst>
   </p:cSld>
@@ -1212,6 +1368,536 @@
           <a:bodyPr/>
           <a:lstStyle/>
           <a:p>
+            <a:r>
+              <a:rPr lang="en-US" dirty="0"/>
+              <a:t>Compare all models on various parameters:</a:t>
+            </a:r>
+          </a:p>
+          <a:p>
+            <a:endParaRPr lang="en-US" dirty="0"/>
+          </a:p>
+          <a:p>
+            <a:r>
+              <a:rPr lang="en-US" dirty="0"/>
+              <a:t>Accuracy - tells the proportion of Defaulters &amp; Non Defaulters in the data set</a:t>
+            </a:r>
+          </a:p>
+          <a:p>
+            <a:endParaRPr lang="en-US" dirty="0"/>
+          </a:p>
+          <a:p>
+            <a:r>
+              <a:rPr lang="en-US" dirty="0"/>
+              <a:t>Sensitivity - </a:t>
+            </a:r>
+            <a:r>
+              <a:rPr lang="en-SG" sz="1200" b="0" i="0" kern="1200" dirty="0">
+                <a:solidFill>
+                  <a:schemeClr val="tx1"/>
+                </a:solidFill>
+                <a:effectLst/>
+                <a:latin typeface="+mn-lt"/>
+                <a:ea typeface="+mn-ea"/>
+                <a:cs typeface="+mn-cs"/>
+              </a:rPr>
+              <a:t>ability to designate a defaulter as positive.</a:t>
+            </a:r>
+            <a:endParaRPr lang="en-US" dirty="0"/>
+          </a:p>
+          <a:p>
+            <a:endParaRPr lang="en-US" dirty="0"/>
+          </a:p>
+          <a:p>
+            <a:r>
+              <a:rPr lang="en-US" dirty="0"/>
+              <a:t>Specificity - </a:t>
+            </a:r>
+            <a:r>
+              <a:rPr lang="en-SG" sz="1200" b="0" i="0" kern="1200" dirty="0">
+                <a:solidFill>
+                  <a:schemeClr val="tx1"/>
+                </a:solidFill>
+                <a:effectLst/>
+                <a:latin typeface="+mn-lt"/>
+                <a:ea typeface="+mn-ea"/>
+                <a:cs typeface="+mn-cs"/>
+              </a:rPr>
+              <a:t>ability to designate a non-defaulter as negative.</a:t>
+            </a:r>
+            <a:endParaRPr lang="en-US" dirty="0"/>
+          </a:p>
+          <a:p>
+            <a:endParaRPr lang="en-US" dirty="0"/>
+          </a:p>
+          <a:p>
+            <a:r>
+              <a:rPr lang="en-US" dirty="0"/>
+              <a:t>Precision - Positive Prediction Value - probability of how often a +</a:t>
+            </a:r>
+            <a:r>
+              <a:rPr lang="en-US" dirty="0" err="1"/>
+              <a:t>ve</a:t>
+            </a:r>
+            <a:r>
+              <a:rPr lang="en-US" dirty="0"/>
+              <a:t> test represents True +</a:t>
+            </a:r>
+            <a:r>
+              <a:rPr lang="en-US" dirty="0" err="1"/>
+              <a:t>ve</a:t>
+            </a:r>
+            <a:endParaRPr lang="en-US" dirty="0"/>
+          </a:p>
+          <a:p>
+            <a:endParaRPr lang="en-US" dirty="0"/>
+          </a:p>
+          <a:p>
+            <a:r>
+              <a:rPr lang="en-US" dirty="0"/>
+              <a:t>KS - returns a p - value (which has the same interpretation as other p -value) if p value is less than the significance level we reject the Null Hypothesis that the sample comes from a specific distribution. Here we see all model reject the Null Hypothesis</a:t>
+            </a:r>
+          </a:p>
+          <a:p>
+            <a:endParaRPr lang="en-US" dirty="0"/>
+          </a:p>
+          <a:p>
+            <a:r>
+              <a:rPr lang="en-US" dirty="0"/>
+              <a:t>AUC ROC is a performance measurement at various thresholds</a:t>
+            </a:r>
+          </a:p>
+          <a:p>
+            <a:r>
+              <a:rPr lang="en-US" dirty="0"/>
+              <a:t>higher AUC means the performance of that model is better at </a:t>
+            </a:r>
+            <a:r>
+              <a:rPr lang="en-US" dirty="0" err="1"/>
+              <a:t>distingusing</a:t>
+            </a:r>
+            <a:r>
+              <a:rPr lang="en-US" dirty="0"/>
+              <a:t> the +</a:t>
+            </a:r>
+            <a:r>
+              <a:rPr lang="en-US" dirty="0" err="1"/>
+              <a:t>ve</a:t>
+            </a:r>
+            <a:r>
+              <a:rPr lang="en-US" dirty="0"/>
+              <a:t> &amp; -</a:t>
+            </a:r>
+            <a:r>
+              <a:rPr lang="en-US" dirty="0" err="1"/>
+              <a:t>ve</a:t>
+            </a:r>
+            <a:r>
+              <a:rPr lang="en-US" dirty="0"/>
+              <a:t> class</a:t>
+            </a:r>
+          </a:p>
+          <a:p>
+            <a:endParaRPr lang="en-US" dirty="0"/>
+          </a:p>
+          <a:p>
+            <a:r>
+              <a:rPr lang="en-US" dirty="0"/>
+              <a:t>Gini co-efficient is a good indicator of inequality i.e. distribution of defaulters across population.</a:t>
+            </a:r>
+          </a:p>
+          <a:p>
+            <a:r>
+              <a:rPr lang="en-US" dirty="0"/>
+              <a:t>level 0 indicates absolute equality</a:t>
+            </a:r>
+          </a:p>
+          <a:p>
+            <a:endParaRPr lang="en-US" dirty="0"/>
+          </a:p>
+          <a:p>
+            <a:r>
+              <a:rPr lang="en-US" dirty="0"/>
+              <a:t>CART Model 1 gives the best result in Specificity compared to other models.. On the other attributes too it performs better than or as good as the other models. </a:t>
+            </a:r>
+          </a:p>
+          <a:p>
+            <a:r>
+              <a:rPr lang="en-US" dirty="0"/>
+              <a:t>Specificity is important for us as an attribute because our positive class is set at 1 i.e. non-defaulter</a:t>
+            </a:r>
+          </a:p>
+        </p:txBody>
+      </p:sp>
+      <p:sp>
+        <p:nvSpPr>
+          <p:cNvPr id="4" name="Slide Number Placeholder 3"/>
+          <p:cNvSpPr>
+            <a:spLocks noGrp="1"/>
+          </p:cNvSpPr>
+          <p:nvPr>
+            <p:ph type="sldNum" sz="quarter" idx="5"/>
+          </p:nvPr>
+        </p:nvSpPr>
+        <p:spPr/>
+        <p:txBody>
+          <a:bodyPr/>
+          <a:lstStyle/>
+          <a:p>
+            <a:fld id="{B3C91CE6-13A3-DD40-BCDC-BD71630CA18C}" type="slidenum">
+              <a:rPr lang="en-US" smtClean="0"/>
+              <a:t>13</a:t>
+            </a:fld>
+            <a:endParaRPr lang="en-US"/>
+          </a:p>
+        </p:txBody>
+      </p:sp>
+    </p:spTree>
+    <p:extLst>
+      <p:ext uri="{BB962C8B-B14F-4D97-AF65-F5344CB8AC3E}">
+        <p14:creationId xmlns:p14="http://schemas.microsoft.com/office/powerpoint/2010/main" val="546550667"/>
+      </p:ext>
+    </p:extLst>
+  </p:cSld>
+  <p:clrMapOvr>
+    <a:masterClrMapping/>
+  </p:clrMapOvr>
+</p:notes>
+</file>
+
+<file path=ppt/notesSlides/notesSlide14.xml><?xml version="1.0" encoding="utf-8"?>
+<p:notes xmlns:a="http://schemas.openxmlformats.org/drawingml/2006/main" xmlns:r="http://schemas.openxmlformats.org/officeDocument/2006/relationships" xmlns:p="http://schemas.openxmlformats.org/presentationml/2006/main">
+  <p:cSld>
+    <p:spTree>
+      <p:nvGrpSpPr>
+        <p:cNvPr id="1" name=""/>
+        <p:cNvGrpSpPr/>
+        <p:nvPr/>
+      </p:nvGrpSpPr>
+      <p:grpSpPr>
+        <a:xfrm>
+          <a:off x="0" y="0"/>
+          <a:ext cx="0" cy="0"/>
+          <a:chOff x="0" y="0"/>
+          <a:chExt cx="0" cy="0"/>
+        </a:xfrm>
+      </p:grpSpPr>
+      <p:sp>
+        <p:nvSpPr>
+          <p:cNvPr id="2" name="Slide Image Placeholder 1"/>
+          <p:cNvSpPr>
+            <a:spLocks noGrp="1" noRot="1" noChangeAspect="1"/>
+          </p:cNvSpPr>
+          <p:nvPr>
+            <p:ph type="sldImg"/>
+          </p:nvPr>
+        </p:nvSpPr>
+        <p:spPr/>
+      </p:sp>
+      <p:sp>
+        <p:nvSpPr>
+          <p:cNvPr id="3" name="Notes Placeholder 2"/>
+          <p:cNvSpPr>
+            <a:spLocks noGrp="1"/>
+          </p:cNvSpPr>
+          <p:nvPr>
+            <p:ph type="body" idx="1"/>
+          </p:nvPr>
+        </p:nvSpPr>
+        <p:spPr/>
+        <p:txBody>
+          <a:bodyPr/>
+          <a:lstStyle/>
+          <a:p>
+            <a:r>
+              <a:rPr lang="en-US" dirty="0"/>
+              <a:t>The variable influencing majorly to identify potential defaulters include the above 7 attributes. </a:t>
+            </a:r>
+          </a:p>
+          <a:p>
+            <a:r>
+              <a:rPr lang="en-US" dirty="0"/>
+              <a:t>Understanding the factors our recommendations will revolve around solutions towards these attributes</a:t>
+            </a:r>
+          </a:p>
+        </p:txBody>
+      </p:sp>
+      <p:sp>
+        <p:nvSpPr>
+          <p:cNvPr id="4" name="Slide Number Placeholder 3"/>
+          <p:cNvSpPr>
+            <a:spLocks noGrp="1"/>
+          </p:cNvSpPr>
+          <p:nvPr>
+            <p:ph type="sldNum" sz="quarter" idx="5"/>
+          </p:nvPr>
+        </p:nvSpPr>
+        <p:spPr/>
+        <p:txBody>
+          <a:bodyPr/>
+          <a:lstStyle/>
+          <a:p>
+            <a:fld id="{B3C91CE6-13A3-DD40-BCDC-BD71630CA18C}" type="slidenum">
+              <a:rPr lang="en-US" smtClean="0"/>
+              <a:t>14</a:t>
+            </a:fld>
+            <a:endParaRPr lang="en-US"/>
+          </a:p>
+        </p:txBody>
+      </p:sp>
+    </p:spTree>
+    <p:extLst>
+      <p:ext uri="{BB962C8B-B14F-4D97-AF65-F5344CB8AC3E}">
+        <p14:creationId xmlns:p14="http://schemas.microsoft.com/office/powerpoint/2010/main" val="2776948553"/>
+      </p:ext>
+    </p:extLst>
+  </p:cSld>
+  <p:clrMapOvr>
+    <a:masterClrMapping/>
+  </p:clrMapOvr>
+</p:notes>
+</file>
+
+<file path=ppt/notesSlides/notesSlide15.xml><?xml version="1.0" encoding="utf-8"?>
+<p:notes xmlns:a="http://schemas.openxmlformats.org/drawingml/2006/main" xmlns:r="http://schemas.openxmlformats.org/officeDocument/2006/relationships" xmlns:p="http://schemas.openxmlformats.org/presentationml/2006/main">
+  <p:cSld>
+    <p:spTree>
+      <p:nvGrpSpPr>
+        <p:cNvPr id="1" name=""/>
+        <p:cNvGrpSpPr/>
+        <p:nvPr/>
+      </p:nvGrpSpPr>
+      <p:grpSpPr>
+        <a:xfrm>
+          <a:off x="0" y="0"/>
+          <a:ext cx="0" cy="0"/>
+          <a:chOff x="0" y="0"/>
+          <a:chExt cx="0" cy="0"/>
+        </a:xfrm>
+      </p:grpSpPr>
+      <p:sp>
+        <p:nvSpPr>
+          <p:cNvPr id="2" name="Slide Image Placeholder 1"/>
+          <p:cNvSpPr>
+            <a:spLocks noGrp="1" noRot="1" noChangeAspect="1"/>
+          </p:cNvSpPr>
+          <p:nvPr>
+            <p:ph type="sldImg"/>
+          </p:nvPr>
+        </p:nvSpPr>
+        <p:spPr/>
+      </p:sp>
+      <p:sp>
+        <p:nvSpPr>
+          <p:cNvPr id="3" name="Notes Placeholder 2"/>
+          <p:cNvSpPr>
+            <a:spLocks noGrp="1"/>
+          </p:cNvSpPr>
+          <p:nvPr>
+            <p:ph type="body" idx="1"/>
+          </p:nvPr>
+        </p:nvSpPr>
+        <p:spPr/>
+        <p:txBody>
+          <a:bodyPr/>
+          <a:lstStyle/>
+          <a:p>
+            <a:pPr marL="228600" indent="-228600">
+              <a:buAutoNum type="arabicParenR"/>
+            </a:pPr>
+            <a:r>
+              <a:rPr lang="en-US" dirty="0"/>
+              <a:t>Commonality in the 3 late payment categories</a:t>
+            </a:r>
+          </a:p>
+          <a:p>
+            <a:pPr marL="228600" indent="-228600">
+              <a:buAutoNum type="arabicParenR"/>
+            </a:pPr>
+            <a:r>
+              <a:rPr lang="en-US" dirty="0"/>
+              <a:t>Income is an important variable which. Influences ”paying of premium’, “Paying of premium in cash”, “risk score’</a:t>
+            </a:r>
+          </a:p>
+          <a:p>
+            <a:pPr marL="228600" indent="-228600">
+              <a:buAutoNum type="arabicParenR"/>
+            </a:pPr>
+            <a:r>
+              <a:rPr lang="en-US" dirty="0"/>
+              <a:t> Need to come with a solution which solves the “payment with cash” and flexibility of product, policy &amp; premiums around the Income – will discuss this is next slides.</a:t>
+            </a:r>
+          </a:p>
+        </p:txBody>
+      </p:sp>
+      <p:sp>
+        <p:nvSpPr>
+          <p:cNvPr id="4" name="Slide Number Placeholder 3"/>
+          <p:cNvSpPr>
+            <a:spLocks noGrp="1"/>
+          </p:cNvSpPr>
+          <p:nvPr>
+            <p:ph type="sldNum" sz="quarter" idx="5"/>
+          </p:nvPr>
+        </p:nvSpPr>
+        <p:spPr/>
+        <p:txBody>
+          <a:bodyPr/>
+          <a:lstStyle/>
+          <a:p>
+            <a:fld id="{B3C91CE6-13A3-DD40-BCDC-BD71630CA18C}" type="slidenum">
+              <a:rPr lang="en-US" smtClean="0"/>
+              <a:t>15</a:t>
+            </a:fld>
+            <a:endParaRPr lang="en-US"/>
+          </a:p>
+        </p:txBody>
+      </p:sp>
+    </p:spTree>
+    <p:extLst>
+      <p:ext uri="{BB962C8B-B14F-4D97-AF65-F5344CB8AC3E}">
+        <p14:creationId xmlns:p14="http://schemas.microsoft.com/office/powerpoint/2010/main" val="870580055"/>
+      </p:ext>
+    </p:extLst>
+  </p:cSld>
+  <p:clrMapOvr>
+    <a:masterClrMapping/>
+  </p:clrMapOvr>
+</p:notes>
+</file>
+
+<file path=ppt/notesSlides/notesSlide16.xml><?xml version="1.0" encoding="utf-8"?>
+<p:notes xmlns:a="http://schemas.openxmlformats.org/drawingml/2006/main" xmlns:r="http://schemas.openxmlformats.org/officeDocument/2006/relationships" xmlns:p="http://schemas.openxmlformats.org/presentationml/2006/main">
+  <p:cSld>
+    <p:spTree>
+      <p:nvGrpSpPr>
+        <p:cNvPr id="1" name=""/>
+        <p:cNvGrpSpPr/>
+        <p:nvPr/>
+      </p:nvGrpSpPr>
+      <p:grpSpPr>
+        <a:xfrm>
+          <a:off x="0" y="0"/>
+          <a:ext cx="0" cy="0"/>
+          <a:chOff x="0" y="0"/>
+          <a:chExt cx="0" cy="0"/>
+        </a:xfrm>
+      </p:grpSpPr>
+      <p:sp>
+        <p:nvSpPr>
+          <p:cNvPr id="2" name="Slide Image Placeholder 1"/>
+          <p:cNvSpPr>
+            <a:spLocks noGrp="1" noRot="1" noChangeAspect="1"/>
+          </p:cNvSpPr>
+          <p:nvPr>
+            <p:ph type="sldImg"/>
+          </p:nvPr>
+        </p:nvSpPr>
+        <p:spPr/>
+      </p:sp>
+      <p:sp>
+        <p:nvSpPr>
+          <p:cNvPr id="3" name="Notes Placeholder 2"/>
+          <p:cNvSpPr>
+            <a:spLocks noGrp="1"/>
+          </p:cNvSpPr>
+          <p:nvPr>
+            <p:ph type="body" idx="1"/>
+          </p:nvPr>
+        </p:nvSpPr>
+        <p:spPr/>
+        <p:txBody>
+          <a:bodyPr/>
+          <a:lstStyle/>
+          <a:p>
+            <a:r>
+              <a:rPr lang="en-SG" sz="1200" dirty="0">
+                <a:solidFill>
+                  <a:srgbClr val="FF0000"/>
+                </a:solidFill>
+              </a:rPr>
+              <a:t>We need to keep in mind the current economic fallout due to the pandemic and the impact it has had on jobs/ business/income when we come our with solutions for the payments of the premiums. </a:t>
+            </a:r>
+          </a:p>
+          <a:p>
+            <a:endParaRPr lang="en-SG" sz="1200" dirty="0">
+              <a:solidFill>
+                <a:srgbClr val="FF0000"/>
+              </a:solidFill>
+            </a:endParaRPr>
+          </a:p>
+          <a:p>
+            <a:pPr marL="228600" indent="-228600">
+              <a:buAutoNum type="arabicParenR"/>
+            </a:pPr>
+            <a:r>
+              <a:rPr lang="en-SG" sz="1200" dirty="0">
+                <a:solidFill>
+                  <a:srgbClr val="FF0000"/>
+                </a:solidFill>
+              </a:rPr>
+              <a:t>Solution need to be from the customers perspective and not the insurance company.</a:t>
+            </a:r>
+          </a:p>
+          <a:p>
+            <a:pPr marL="228600" indent="-228600">
+              <a:buAutoNum type="arabicParenR"/>
+            </a:pPr>
+            <a:r>
+              <a:rPr lang="en-SG" sz="1200" dirty="0">
+                <a:solidFill>
+                  <a:srgbClr val="FF0000"/>
+                </a:solidFill>
+              </a:rPr>
+              <a:t>Solutions short term options to manage current issues and which fits in the scheme of things. A simple &amp; basic product – easy to pick and issue could be a workable solution</a:t>
+            </a:r>
+          </a:p>
+          <a:p>
+            <a:pPr marL="228600" indent="-228600">
+              <a:buAutoNum type="arabicParenR"/>
+            </a:pPr>
+            <a:r>
+              <a:rPr lang="en-SG" sz="1200" dirty="0">
+                <a:solidFill>
+                  <a:srgbClr val="FF0000"/>
+                </a:solidFill>
+              </a:rPr>
+              <a:t>Is “capability to pay” the only reason for defaulting? – user behaviour, habits, priority, complexity of issuance/payment could be a hurdle – simplified and easy issuance and options towards payments like EMI, monthly , quarterly, bi – annual kind of options as per the requirement and amount of the premium.</a:t>
+            </a:r>
+          </a:p>
+          <a:p>
+            <a:pPr marL="228600" indent="-228600">
+              <a:buAutoNum type="arabicParenR"/>
+            </a:pPr>
+            <a:r>
+              <a:rPr lang="en-SG" sz="1200" dirty="0">
+                <a:solidFill>
+                  <a:srgbClr val="FF0000"/>
+                </a:solidFill>
+              </a:rPr>
+              <a:t>Solution based simpler product offering rather than an elaborate all inclusive ….. Come up with customised , tailored, essential – basic product with affordable premiums attached …. Easy to pay options and affiliations with various fintech companies like payment platforms, CC, banks, etc. to have a ecosystem created where adoption of such insurance becomes as easy as managing essentials.</a:t>
+            </a:r>
+          </a:p>
+          <a:p>
+            <a:pPr marL="228600" indent="-228600">
+              <a:buAutoNum type="arabicParenR"/>
+            </a:pPr>
+            <a:r>
+              <a:rPr lang="en-SG" sz="1200" dirty="0">
+                <a:solidFill>
+                  <a:srgbClr val="FF0000"/>
+                </a:solidFill>
+              </a:rPr>
+              <a:t>A interactive, customer engaging – incentive based option is shared here which needs to have a customer mindset changed for his/her own well being and benefit</a:t>
+            </a:r>
+          </a:p>
+          <a:p>
+            <a:endParaRPr lang="en-SG" sz="1200" dirty="0">
+              <a:solidFill>
+                <a:srgbClr val="FF0000"/>
+              </a:solidFill>
+            </a:endParaRPr>
+          </a:p>
+          <a:p>
             <a:endParaRPr lang="en-US" dirty="0"/>
           </a:p>
         </p:txBody>
@@ -1252,7 +1938,114 @@
 </p:notes>
 </file>
 
-<file path=ppt/notesSlides/notesSlide14.xml><?xml version="1.0" encoding="utf-8"?>
+<file path=ppt/notesSlides/notesSlide17.xml><?xml version="1.0" encoding="utf-8"?>
+<p:notes xmlns:a="http://schemas.openxmlformats.org/drawingml/2006/main" xmlns:r="http://schemas.openxmlformats.org/officeDocument/2006/relationships" xmlns:p="http://schemas.openxmlformats.org/presentationml/2006/main">
+  <p:cSld>
+    <p:spTree>
+      <p:nvGrpSpPr>
+        <p:cNvPr id="1" name=""/>
+        <p:cNvGrpSpPr/>
+        <p:nvPr/>
+      </p:nvGrpSpPr>
+      <p:grpSpPr>
+        <a:xfrm>
+          <a:off x="0" y="0"/>
+          <a:ext cx="0" cy="0"/>
+          <a:chOff x="0" y="0"/>
+          <a:chExt cx="0" cy="0"/>
+        </a:xfrm>
+      </p:grpSpPr>
+      <p:sp>
+        <p:nvSpPr>
+          <p:cNvPr id="2" name="Slide Image Placeholder 1"/>
+          <p:cNvSpPr>
+            <a:spLocks noGrp="1" noRot="1" noChangeAspect="1"/>
+          </p:cNvSpPr>
+          <p:nvPr>
+            <p:ph type="sldImg"/>
+          </p:nvPr>
+        </p:nvSpPr>
+        <p:spPr/>
+      </p:sp>
+      <p:sp>
+        <p:nvSpPr>
+          <p:cNvPr id="3" name="Notes Placeholder 2"/>
+          <p:cNvSpPr>
+            <a:spLocks noGrp="1"/>
+          </p:cNvSpPr>
+          <p:nvPr>
+            <p:ph type="body" idx="1"/>
+          </p:nvPr>
+        </p:nvSpPr>
+        <p:spPr/>
+        <p:txBody>
+          <a:bodyPr/>
+          <a:lstStyle/>
+          <a:p>
+            <a:pPr marL="228600" indent="-228600">
+              <a:buAutoNum type="arabicParenR"/>
+            </a:pPr>
+            <a:r>
+              <a:rPr lang="en-US" dirty="0"/>
+              <a:t>To make an alternative lifestyle and payment alternative – create an ecosystem of inclusive participation and </a:t>
+            </a:r>
+            <a:r>
+              <a:rPr lang="en-US" dirty="0" err="1"/>
+              <a:t>incentised</a:t>
+            </a:r>
+            <a:r>
+              <a:rPr lang="en-US" dirty="0"/>
+              <a:t> options for making the insurer realize importance of health and fitness. </a:t>
+            </a:r>
+          </a:p>
+          <a:p>
+            <a:pPr marL="228600" indent="-228600">
+              <a:buAutoNum type="arabicParenR"/>
+            </a:pPr>
+            <a:r>
+              <a:rPr lang="en-US" dirty="0"/>
+              <a:t>A healthy insurer is what a insurance company will like to deal with and be flexible with. Create such aware and conscious customers by providing them options which are easy for their payment capability, convenient for participating towards the incentivized based option.</a:t>
+            </a:r>
+          </a:p>
+        </p:txBody>
+      </p:sp>
+      <p:sp>
+        <p:nvSpPr>
+          <p:cNvPr id="4" name="Slide Number Placeholder 3"/>
+          <p:cNvSpPr>
+            <a:spLocks noGrp="1"/>
+          </p:cNvSpPr>
+          <p:nvPr>
+            <p:ph type="sldNum" sz="quarter" idx="5"/>
+          </p:nvPr>
+        </p:nvSpPr>
+        <p:spPr/>
+        <p:txBody>
+          <a:bodyPr/>
+          <a:lstStyle/>
+          <a:p>
+            <a:fld id="{B3C91CE6-13A3-DD40-BCDC-BD71630CA18C}" type="slidenum">
+              <a:rPr lang="en-US" smtClean="0"/>
+              <a:t>17</a:t>
+            </a:fld>
+            <a:endParaRPr lang="en-US"/>
+          </a:p>
+        </p:txBody>
+      </p:sp>
+    </p:spTree>
+    <p:extLst>
+      <p:ext uri="{BB962C8B-B14F-4D97-AF65-F5344CB8AC3E}">
+        <p14:creationId xmlns:p14="http://schemas.microsoft.com/office/powerpoint/2010/main" val="4033733331"/>
+      </p:ext>
+    </p:extLst>
+  </p:cSld>
+  <p:clrMapOvr>
+    <a:masterClrMapping/>
+  </p:clrMapOvr>
+</p:notes>
+</file>
+
+<file path=ppt/notesSlides/notesSlide18.xml><?xml version="1.0" encoding="utf-8"?>
 <p:notes xmlns:a="http://schemas.openxmlformats.org/drawingml/2006/main" xmlns:r="http://schemas.openxmlformats.org/officeDocument/2006/relationships" xmlns:p="http://schemas.openxmlformats.org/presentationml/2006/main">
   <p:cSld>
     <p:spTree>
@@ -1429,7 +2222,7 @@
 </p:notes>
 </file>
 
-<file path=ppt/notesSlides/notesSlide15.xml><?xml version="1.0" encoding="utf-8"?>
+<file path=ppt/notesSlides/notesSlide19.xml><?xml version="1.0" encoding="utf-8"?>
 <p:notes xmlns:a="http://schemas.openxmlformats.org/drawingml/2006/main" xmlns:r="http://schemas.openxmlformats.org/officeDocument/2006/relationships" xmlns:p="http://schemas.openxmlformats.org/presentationml/2006/main">
   <p:cSld>
     <p:spTree>
@@ -1564,7 +2357,7 @@
                   </a:schemeClr>
                 </a:solidFill>
               </a:rPr>
-              <a:t>All stakeholder could come together to create a “Value proposition” by keeping the customer in the center of things and create offerings in such a fashion that the customer find ”value” in more more ways than one to stay active  and healthy</a:t>
+              <a:t>All stakeholder could come together to create a “Value proposition” by keeping the customer in the center of things and create offerings in such a fashion that the customer finds ”value” in more more ways than one to stay active and healthy for self and his/her dependents.</a:t>
             </a:r>
           </a:p>
           <a:p>
@@ -1697,7 +2490,7 @@
           <a:p>
             <a:r>
               <a:rPr lang="en-US" dirty="0"/>
-              <a:t>We have 15 variables which we need to explore and analyze </a:t>
+              <a:t>From our data set we will look at 15 variables which we need to explore and analyze </a:t>
             </a:r>
             <a:r>
               <a:rPr lang="en-US" dirty="0" err="1"/>
@@ -1705,7 +2498,21 @@
             </a:r>
             <a:r>
               <a:rPr lang="en-US" dirty="0"/>
-              <a:t>. to the dependent variable (Default). Of these variables 88% of data is continuous in nature. We will need to treat these variables accordingly to explore them to our requirement.</a:t>
+              <a:t>. to the dependent variable (Default). Of these variables 88% of data is continuous in nature.</a:t>
+            </a:r>
+          </a:p>
+          <a:p>
+            <a:r>
+              <a:rPr lang="en-US" dirty="0"/>
+              <a:t>We will need to treat these variables accordingly so as to make them robust enough to help us explore and </a:t>
+            </a:r>
+            <a:r>
+              <a:rPr lang="en-US" dirty="0" err="1"/>
+              <a:t>analyse</a:t>
+            </a:r>
+            <a:r>
+              <a:rPr lang="en-US" dirty="0"/>
+              <a:t> the data within.</a:t>
             </a:r>
           </a:p>
         </p:txBody>
@@ -1792,7 +2599,33 @@
           <a:p>
             <a:r>
               <a:rPr lang="en-US" dirty="0"/>
-              <a:t>The data is unbalanced with regards to the dependent variable, i.e. only 6.25% of the cohorts are defaulters who have defaulted in their last premium payment. We have to compare this cohort with the previous default data and also understand how and when the delinquents convert to defaulters. Need to understand the influencers and factors for their behavior or lack of it to identify them appropriately and address their issues to have them as non-defaulters.</a:t>
+              <a:t>We can see that with reference to the dependent variable, the data is quite unbalance.</a:t>
+            </a:r>
+          </a:p>
+          <a:p>
+            <a:r>
+              <a:rPr lang="en-US" dirty="0"/>
+              <a:t>only 6.25% of the cohorts are defaulters who have defaulted in their last premium payment. </a:t>
+            </a:r>
+          </a:p>
+          <a:p>
+            <a:r>
+              <a:rPr lang="en-US" dirty="0"/>
+              <a:t>We need to </a:t>
+            </a:r>
+            <a:r>
+              <a:rPr lang="en-US" dirty="0" err="1"/>
+              <a:t>syudy</a:t>
+            </a:r>
+            <a:r>
+              <a:rPr lang="en-US" dirty="0"/>
+              <a:t> this cohort with the various variable sin our data and also understand how and when the delinquents got  converted to defaulters. </a:t>
+            </a:r>
+          </a:p>
+          <a:p>
+            <a:r>
+              <a:rPr lang="en-US" dirty="0"/>
+              <a:t>We need to understand the influencers and factors for their behavior or the lack of it - to identify them appropriately to address their issues.</a:t>
             </a:r>
           </a:p>
         </p:txBody>
@@ -1877,7 +2710,10 @@
           <a:bodyPr/>
           <a:lstStyle/>
           <a:p>
-            <a:endParaRPr lang="en-US" dirty="0"/>
+            <a:r>
+              <a:rPr lang="en-US" dirty="0"/>
+              <a:t>The process will involve exploring each variable by itself and also understand the influence it may have on other variables which would help us discover the potential defaulters within such variables.</a:t>
+            </a:r>
           </a:p>
         </p:txBody>
       </p:sp>
@@ -1960,6 +2796,116 @@
         <p:txBody>
           <a:bodyPr/>
           <a:lstStyle/>
+          <a:p>
+            <a:r>
+              <a:rPr lang="en-US" dirty="0"/>
+              <a:t>Our solution design will involve a step - by step process which will begin with</a:t>
+            </a:r>
+          </a:p>
+          <a:p>
+            <a:r>
+              <a:rPr lang="en-US" dirty="0"/>
+              <a:t>1- cleaning and treating the data set for exploring and </a:t>
+            </a:r>
+            <a:r>
+              <a:rPr lang="en-US" dirty="0" err="1"/>
+              <a:t>analysing</a:t>
+            </a:r>
+            <a:r>
+              <a:rPr lang="en-US" dirty="0"/>
+              <a:t>. We will treat the data set for any Missing Values, Outliers Treatment, transforming variables for our benefit, adding or removing variables etc.</a:t>
+            </a:r>
+          </a:p>
+          <a:p>
+            <a:r>
+              <a:rPr lang="en-US" dirty="0"/>
+              <a:t>2-  After which, we will next perform an Exploratory Data Analysis which would involve a </a:t>
+            </a:r>
+          </a:p>
+          <a:p>
+            <a:r>
+              <a:rPr lang="en-US" dirty="0"/>
+              <a:t>Uni Variant analysis on the categorical and the numerical variables to check on aspects like mean , median, outliers and other influencing aspect of the variables.</a:t>
+            </a:r>
+          </a:p>
+          <a:p>
+            <a:r>
+              <a:rPr lang="en-US" dirty="0"/>
+              <a:t>We will conduct a Bi Variant Analysis and see how the dependent variable is behaving amidst the categorical and numerical variables.</a:t>
+            </a:r>
+          </a:p>
+          <a:p>
+            <a:r>
+              <a:rPr lang="en-US" dirty="0"/>
+              <a:t>3- We will explore each categorical and numerical variable to discover patterns, similarities, correlations. In case of any high correlation between any variable we will need to account it and accordingly treat them for further analysis.</a:t>
+            </a:r>
+          </a:p>
+          <a:p>
+            <a:r>
+              <a:rPr lang="en-US" dirty="0"/>
+              <a:t>4- We would then want to work on building some analytical models to </a:t>
+            </a:r>
+            <a:r>
+              <a:rPr lang="en-US" dirty="0" err="1"/>
+              <a:t>analyse</a:t>
+            </a:r>
+            <a:r>
+              <a:rPr lang="en-US" dirty="0"/>
+              <a:t> our dataset.</a:t>
+            </a:r>
+          </a:p>
+          <a:p>
+            <a:r>
+              <a:rPr lang="en-US" dirty="0"/>
+              <a:t>To do that we will first create a Train Set &amp; Test Train from our original data set for validating and evaluating our models.</a:t>
+            </a:r>
+          </a:p>
+          <a:p>
+            <a:r>
+              <a:rPr lang="en-US" dirty="0"/>
+              <a:t>Once we create the Train &amp; Test Data we will want to treat the Train Data set for the unbalanced nature of the data so that the bias does not influence the outcome in a wrong way. For doing that we will treat the Train Data with </a:t>
+            </a:r>
+            <a:r>
+              <a:rPr lang="en-US" dirty="0" err="1"/>
+              <a:t>SMOTe</a:t>
+            </a:r>
+            <a:r>
+              <a:rPr lang="en-US" dirty="0"/>
+              <a:t> technique.</a:t>
+            </a:r>
+          </a:p>
+          <a:p>
+            <a:r>
+              <a:rPr lang="en-US" dirty="0"/>
+              <a:t>5 - we will then build various models ranging from basic logistic regression model, decision tree models, naive bayes, KNN, to bagging model like Radom Forest and boosting models like Gradient Boosting &amp; XG Boost.</a:t>
+            </a:r>
+          </a:p>
+          <a:p>
+            <a:r>
+              <a:rPr lang="en-US" dirty="0"/>
+              <a:t>6- We will then compare all the models on various parameters of influence and importance to come up with the best model for our analysis.</a:t>
+            </a:r>
+          </a:p>
+          <a:p>
+            <a:r>
+              <a:rPr lang="en-US" dirty="0"/>
+              <a:t>7 - we will in the process identify the most </a:t>
+            </a:r>
+            <a:r>
+              <a:rPr lang="en-US" dirty="0" err="1"/>
+              <a:t>influencial</a:t>
+            </a:r>
+            <a:r>
+              <a:rPr lang="en-US" dirty="0"/>
+              <a:t> variables to discover potential defaulters.</a:t>
+            </a:r>
+          </a:p>
+          <a:p>
+            <a:r>
+              <a:rPr lang="en-US" dirty="0"/>
+              <a:t>8 - lastly we will get insights and come out with recommendations and solutions to our problem.</a:t>
+            </a:r>
+          </a:p>
           <a:p>
             <a:endParaRPr lang="en-US" dirty="0"/>
           </a:p>
@@ -2047,7 +2993,13 @@
           <a:p>
             <a:r>
               <a:rPr lang="en-US" dirty="0"/>
-              <a:t>Sourcing Channel A dominates among all Channels with more than double the counts of any other sources.</a:t>
+              <a:t>We don't see much difference or influences in these categorical variables. All sees to be evenly distributed.</a:t>
+            </a:r>
+          </a:p>
+          <a:p>
+            <a:r>
+              <a:rPr lang="en-US" dirty="0"/>
+              <a:t> though - Sourcing Channel A dominates among all Channels with more than double the counts of any other sources.</a:t>
             </a:r>
           </a:p>
         </p:txBody>
@@ -2134,15 +3086,7 @@
           <a:p>
             <a:r>
               <a:rPr lang="en-US" dirty="0"/>
-              <a:t>The behavior of the </a:t>
-            </a:r>
-            <a:r>
-              <a:rPr lang="en-US" dirty="0" err="1"/>
-              <a:t>depeneant</a:t>
-            </a:r>
-            <a:r>
-              <a:rPr lang="en-US" dirty="0"/>
-              <a:t> variable seems almost similar with each categorical variable. Will need to explore and analyze it deeper.</a:t>
+              <a:t>We don't witness any significantly different influencers in these categorical variables</a:t>
             </a:r>
           </a:p>
         </p:txBody>
@@ -2229,7 +3173,7 @@
           <a:p>
             <a:r>
               <a:rPr lang="en-US" dirty="0"/>
-              <a:t>We see the default variable showing similarities in the 3 to 6 and 6 to 12 cohorts. We will need to analyze deeper to see how these variable help identify a pattern and correlation with each other.</a:t>
+              <a:t>We see the default variable showing similarities in the 3 to 6 and 6 to 12 delinquent cohorts. We will need to analyze deeper to see how these variable to help identify a pattern and  correlation with each other if any</a:t>
             </a:r>
           </a:p>
         </p:txBody>
@@ -2316,7 +3260,31 @@
           <a:p>
             <a:r>
               <a:rPr lang="en-US" dirty="0"/>
-              <a:t>No high correlation witnessed among any variables. Comparatively a correlation is seen between Income &amp; Premium followed by Premium Paid in Cash with all the 3 late counts for paying premiums, and between each of the three late premium payment variables. Age and Sourcing Channel A is showing some correlation as well.</a:t>
+              <a:t>No high correlation witnessed among any variables. Comparatively a correlation is seen between </a:t>
+            </a:r>
+          </a:p>
+          <a:p>
+            <a:r>
+              <a:rPr lang="en-US" dirty="0"/>
+              <a:t>Income &amp; Premium </a:t>
+            </a:r>
+          </a:p>
+          <a:p>
+            <a:r>
+              <a:rPr lang="en-US" dirty="0"/>
+              <a:t>followed by Premium Paid in Cash with all the 3 late counts for paying premiums, </a:t>
+            </a:r>
+          </a:p>
+          <a:p>
+            <a:r>
+              <a:rPr lang="en-US" dirty="0"/>
+              <a:t>and between each of the three late premium payment variables. </a:t>
+            </a:r>
+          </a:p>
+          <a:p>
+            <a:r>
+              <a:rPr lang="en-US" dirty="0"/>
+              <a:t>Interestingly - Age and  Sourcing Channel A is showing some correlation as well.</a:t>
             </a:r>
           </a:p>
         </p:txBody>
@@ -5101,7 +6069,7 @@
                 <a:solidFill>
                   <a:schemeClr val="bg1"/>
                 </a:solidFill>
-                <a:hlinkClick r:id="rId2">
+                <a:hlinkClick r:id="rId3">
                   <a:extLst>
                     <a:ext uri="{A12FA001-AC4F-418D-AE19-62706E023703}">
                       <ahyp:hlinkClr xmlns:ahyp="http://schemas.microsoft.com/office/drawing/2018/hyperlinkcolor" val="tx"/>
@@ -13475,7 +14443,7 @@
                 <a:solidFill>
                   <a:schemeClr val="bg1"/>
                 </a:solidFill>
-                <a:hlinkClick r:id="rId2"/>
+                <a:hlinkClick r:id="rId3"/>
               </a:rPr>
               <a:t>www.free-powerpoint-templates-design.com</a:t>
             </a:r>
@@ -19483,7 +20451,7 @@
           <p:nvPr/>
         </p:nvPicPr>
         <p:blipFill>
-          <a:blip r:embed="rId3">
+          <a:blip r:embed="rId4">
             <a:extLst>
               <a:ext uri="{28A0092B-C50C-407E-A947-70E740481C1C}">
                 <a14:useLocalDpi xmlns:a14="http://schemas.microsoft.com/office/drawing/2010/main" val="0"/>
@@ -19530,7 +20498,7 @@
           <p:nvPr/>
         </p:nvPicPr>
         <p:blipFill>
-          <a:blip r:embed="rId4">
+          <a:blip r:embed="rId5">
             <a:extLst>
               <a:ext uri="{28A0092B-C50C-407E-A947-70E740481C1C}">
                 <a14:useLocalDpi xmlns:a14="http://schemas.microsoft.com/office/drawing/2010/main" val="0"/>
@@ -21462,7 +22430,7 @@
                 <a:solidFill>
                   <a:schemeClr val="bg1"/>
                 </a:solidFill>
-                <a:hlinkClick r:id="rId2"/>
+                <a:hlinkClick r:id="rId3"/>
               </a:rPr>
               <a:t>www.free-powerpoint-templates-design.com</a:t>
             </a:r>
@@ -24920,7 +25888,7 @@
           <p:nvPr/>
         </p:nvPicPr>
         <p:blipFill>
-          <a:blip r:embed="rId3">
+          <a:blip r:embed="rId4">
             <a:extLst>
               <a:ext uri="{28A0092B-C50C-407E-A947-70E740481C1C}">
                 <a14:useLocalDpi xmlns:a14="http://schemas.microsoft.com/office/drawing/2010/main" val="0"/>
@@ -24967,7 +25935,7 @@
           <p:nvPr/>
         </p:nvPicPr>
         <p:blipFill>
-          <a:blip r:embed="rId4">
+          <a:blip r:embed="rId5">
             <a:extLst>
               <a:ext uri="{28A0092B-C50C-407E-A947-70E740481C1C}">
                 <a14:useLocalDpi xmlns:a14="http://schemas.microsoft.com/office/drawing/2010/main" val="0"/>
@@ -25014,7 +25982,7 @@
           <p:nvPr/>
         </p:nvPicPr>
         <p:blipFill>
-          <a:blip r:embed="rId5">
+          <a:blip r:embed="rId6">
             <a:extLst>
               <a:ext uri="{28A0092B-C50C-407E-A947-70E740481C1C}">
                 <a14:useLocalDpi xmlns:a14="http://schemas.microsoft.com/office/drawing/2010/main" val="0"/>
@@ -25061,7 +26029,7 @@
           <p:nvPr/>
         </p:nvPicPr>
         <p:blipFill>
-          <a:blip r:embed="rId4">
+          <a:blip r:embed="rId5">
             <a:extLst>
               <a:ext uri="{28A0092B-C50C-407E-A947-70E740481C1C}">
                 <a14:useLocalDpi xmlns:a14="http://schemas.microsoft.com/office/drawing/2010/main" val="0"/>
@@ -25108,7 +26076,7 @@
           <p:nvPr/>
         </p:nvPicPr>
         <p:blipFill>
-          <a:blip r:embed="rId3">
+          <a:blip r:embed="rId4">
             <a:extLst>
               <a:ext uri="{28A0092B-C50C-407E-A947-70E740481C1C}">
                 <a14:useLocalDpi xmlns:a14="http://schemas.microsoft.com/office/drawing/2010/main" val="0"/>
@@ -25155,7 +26123,7 @@
           <p:nvPr/>
         </p:nvPicPr>
         <p:blipFill>
-          <a:blip r:embed="rId5">
+          <a:blip r:embed="rId6">
             <a:extLst>
               <a:ext uri="{28A0092B-C50C-407E-A947-70E740481C1C}">
                 <a14:useLocalDpi xmlns:a14="http://schemas.microsoft.com/office/drawing/2010/main" val="0"/>
@@ -25202,7 +26170,7 @@
           <p:nvPr/>
         </p:nvPicPr>
         <p:blipFill>
-          <a:blip r:embed="rId6">
+          <a:blip r:embed="rId7">
             <a:extLst>
               <a:ext uri="{28A0092B-C50C-407E-A947-70E740481C1C}">
                 <a14:useLocalDpi xmlns:a14="http://schemas.microsoft.com/office/drawing/2010/main" val="0"/>
@@ -25249,7 +26217,7 @@
           <p:nvPr/>
         </p:nvPicPr>
         <p:blipFill>
-          <a:blip r:embed="rId6">
+          <a:blip r:embed="rId7">
             <a:extLst>
               <a:ext uri="{28A0092B-C50C-407E-A947-70E740481C1C}">
                 <a14:useLocalDpi xmlns:a14="http://schemas.microsoft.com/office/drawing/2010/main" val="0"/>
